--- a/Подъем.pptx
+++ b/Подъем.pptx
@@ -11,6 +11,7 @@
     <p:sldId id="259" r:id="rId5"/>
     <p:sldId id="260" r:id="rId6"/>
     <p:sldId id="261" r:id="rId7"/>
+    <p:sldId id="262" r:id="rId8"/>
   </p:sldIdLst>
   <p:sldSz cx="12192000" cy="6858000"/>
   <p:notesSz cx="6858000" cy="9144000"/>
@@ -109,6 +110,11 @@
       </a:defRPr>
     </a:lvl9pPr>
   </p:defaultTextStyle>
+  <p:extLst>
+    <p:ext uri="{EFAFB233-063F-42B5-8137-9DF3F51BA10A}">
+      <p15:sldGuideLst xmlns:p15="http://schemas.microsoft.com/office/powerpoint/2012/main"/>
+    </p:ext>
+  </p:extLst>
 </p:presentation>
 </file>
 
@@ -3401,7 +3407,7 @@
           </a:bodyPr>
           <a:lstStyle/>
           <a:p>
-            <a:pPr algn="r"/>
+            <a:pPr algn="just"/>
             <a:r>
               <a:rPr lang="ru-RU" sz="1800" dirty="0">
                 <a:solidFill>
@@ -3411,11 +3417,11 @@
                   </a:schemeClr>
                 </a:solidFill>
               </a:rPr>
-              <a:t>Однажды люди усомнились в том, что боги помогают им, и отправили двух человек, чтобы проведать их. Были выбраны самый сильный и самый ловкий из них, чтобы они вместе восходили на небеса. </a:t>
-            </a:r>
-          </a:p>
-          <a:p>
-            <a:pPr algn="r"/>
+              <a:t>Однажды люди усомнились в том, что боги помогают им, и отправили двух людей, чтобы проведать их. Были выбраны самый сильный и самый ловкий из них, чтобы они вместе восходили на небеса и проверили, всё ли в порядке. </a:t>
+            </a:r>
+          </a:p>
+          <a:p>
+            <a:pPr algn="just"/>
             <a:r>
               <a:rPr lang="ru-RU" sz="1800" dirty="0">
                 <a:solidFill>
@@ -4463,7 +4469,7 @@
                   </a:schemeClr>
                 </a:solidFill>
               </a:rPr>
-              <a:t>строка и столбец определяет расположения объекта, обозначенного символами.</a:t>
+              <a:t>строка и столбец определяет расположение объекта, обозначенного символами.</a:t>
             </a:r>
           </a:p>
           <a:p>
@@ -4569,7 +4575,7 @@
                   </a:schemeClr>
                 </a:solidFill>
               </a:rPr>
-              <a:t>Кнопки содержат также координаты двери, которую они будут открывать.</a:t>
+              <a:t>Обозначения кнопки содержат также координаты двери, которую они будут открывать.</a:t>
             </a:r>
           </a:p>
           <a:p>
@@ -4729,7 +4735,7 @@
                   </a:schemeClr>
                 </a:solidFill>
               </a:rPr>
-              <a:t>По итогу в проекте использовались спрайты, инициализация уровня происходила по принципу клеточного поля, были реализованы столкновения, в меню используется </a:t>
+              <a:t>По итогу в проекте использовались спрайты, инициализация уровня происходила по принципу клеточного поля, были реализованы столкновения. В меню используется </a:t>
             </a:r>
             <a:r>
               <a:rPr lang="ru-RU" dirty="0" err="1">
@@ -4753,13 +4759,334 @@
               </a:rPr>
               <a:t>, если элементы не вмещаются в пункт меню полностью.</a:t>
             </a:r>
-          </a:p>
-        </p:txBody>
-      </p:sp>
+            <a:endParaRPr lang="en-US" dirty="0">
+              <a:solidFill>
+                <a:schemeClr val="tx1">
+                  <a:lumMod val="75000"/>
+                  <a:lumOff val="25000"/>
+                </a:schemeClr>
+              </a:solidFill>
+            </a:endParaRPr>
+          </a:p>
+          <a:p>
+            <a:pPr marL="0" indent="0">
+              <a:buNone/>
+            </a:pPr>
+            <a:r>
+              <a:rPr lang="ru-RU" dirty="0">
+                <a:solidFill>
+                  <a:schemeClr val="tx1">
+                    <a:lumMod val="75000"/>
+                    <a:lumOff val="25000"/>
+                  </a:schemeClr>
+                </a:solidFill>
+              </a:rPr>
+              <a:t>Спрайты анимации персонажей, спрайты объектов и уровни хранятся в отдельных папках </a:t>
+            </a:r>
+            <a:r>
+              <a:rPr lang="en-US" dirty="0">
+                <a:solidFill>
+                  <a:schemeClr val="tx1">
+                    <a:lumMod val="75000"/>
+                    <a:lumOff val="25000"/>
+                  </a:schemeClr>
+                </a:solidFill>
+              </a:rPr>
+              <a:t>animation</a:t>
+            </a:r>
+            <a:r>
+              <a:rPr lang="ru-RU" dirty="0">
+                <a:solidFill>
+                  <a:schemeClr val="tx1">
+                    <a:lumMod val="75000"/>
+                    <a:lumOff val="25000"/>
+                  </a:schemeClr>
+                </a:solidFill>
+              </a:rPr>
+              <a:t>, </a:t>
+            </a:r>
+            <a:r>
+              <a:rPr lang="en-US" dirty="0">
+                <a:solidFill>
+                  <a:schemeClr val="tx1">
+                    <a:lumMod val="75000"/>
+                    <a:lumOff val="25000"/>
+                  </a:schemeClr>
+                </a:solidFill>
+              </a:rPr>
+              <a:t>pictures</a:t>
+            </a:r>
+            <a:r>
+              <a:rPr lang="ru-RU" dirty="0">
+                <a:solidFill>
+                  <a:schemeClr val="tx1">
+                    <a:lumMod val="75000"/>
+                    <a:lumOff val="25000"/>
+                  </a:schemeClr>
+                </a:solidFill>
+              </a:rPr>
+              <a:t> и </a:t>
+            </a:r>
+            <a:r>
+              <a:rPr lang="en-US" dirty="0">
+                <a:solidFill>
+                  <a:schemeClr val="tx1">
+                    <a:lumMod val="75000"/>
+                    <a:lumOff val="25000"/>
+                  </a:schemeClr>
+                </a:solidFill>
+              </a:rPr>
+              <a:t>levels </a:t>
+            </a:r>
+            <a:r>
+              <a:rPr lang="ru-RU" dirty="0">
+                <a:solidFill>
+                  <a:schemeClr val="tx1">
+                    <a:lumMod val="75000"/>
+                    <a:lumOff val="25000"/>
+                  </a:schemeClr>
+                </a:solidFill>
+              </a:rPr>
+              <a:t>соответственно. </a:t>
+            </a:r>
+          </a:p>
+        </p:txBody>
+      </p:sp>
+      <p:pic>
+        <p:nvPicPr>
+          <p:cNvPr id="5" name="Рисунок 4">
+            <a:extLst>
+              <a:ext uri="{FF2B5EF4-FFF2-40B4-BE49-F238E27FC236}">
+                <a16:creationId xmlns:a16="http://schemas.microsoft.com/office/drawing/2014/main" id="{7BA7382E-41B8-4391-AB4D-5D80161417C0}"/>
+              </a:ext>
+            </a:extLst>
+          </p:cNvPr>
+          <p:cNvPicPr>
+            <a:picLocks noChangeAspect="1"/>
+          </p:cNvPicPr>
+          <p:nvPr/>
+        </p:nvPicPr>
+        <p:blipFill>
+          <a:blip r:embed="rId2"/>
+          <a:stretch>
+            <a:fillRect/>
+          </a:stretch>
+        </p:blipFill>
+        <p:spPr>
+          <a:xfrm>
+            <a:off x="8434917" y="4954586"/>
+            <a:ext cx="2857500" cy="1152525"/>
+          </a:xfrm>
+          <a:prstGeom prst="rect">
+            <a:avLst/>
+          </a:prstGeom>
+        </p:spPr>
+      </p:pic>
+      <p:pic>
+        <p:nvPicPr>
+          <p:cNvPr id="6" name="Рисунок 5">
+            <a:extLst>
+              <a:ext uri="{FF2B5EF4-FFF2-40B4-BE49-F238E27FC236}">
+                <a16:creationId xmlns:a16="http://schemas.microsoft.com/office/drawing/2014/main" id="{BC7B05F9-FB51-4E3E-B377-54FB785896E6}"/>
+              </a:ext>
+            </a:extLst>
+          </p:cNvPr>
+          <p:cNvPicPr>
+            <a:picLocks noChangeAspect="1"/>
+          </p:cNvPicPr>
+          <p:nvPr/>
+        </p:nvPicPr>
+        <p:blipFill>
+          <a:blip r:embed="rId3"/>
+          <a:stretch>
+            <a:fillRect/>
+          </a:stretch>
+        </p:blipFill>
+        <p:spPr>
+          <a:xfrm>
+            <a:off x="4132794" y="4568825"/>
+            <a:ext cx="3219450" cy="1924050"/>
+          </a:xfrm>
+          <a:prstGeom prst="rect">
+            <a:avLst/>
+          </a:prstGeom>
+        </p:spPr>
+      </p:pic>
+      <p:pic>
+        <p:nvPicPr>
+          <p:cNvPr id="8" name="Рисунок 7">
+            <a:extLst>
+              <a:ext uri="{FF2B5EF4-FFF2-40B4-BE49-F238E27FC236}">
+                <a16:creationId xmlns:a16="http://schemas.microsoft.com/office/drawing/2014/main" id="{EBAF16C1-D336-4D04-BB30-88FA65D33B38}"/>
+              </a:ext>
+            </a:extLst>
+          </p:cNvPr>
+          <p:cNvPicPr>
+            <a:picLocks noChangeAspect="1"/>
+          </p:cNvPicPr>
+          <p:nvPr/>
+        </p:nvPicPr>
+        <p:blipFill>
+          <a:blip r:embed="rId4"/>
+          <a:stretch>
+            <a:fillRect/>
+          </a:stretch>
+        </p:blipFill>
+        <p:spPr>
+          <a:xfrm>
+            <a:off x="565150" y="5212026"/>
+            <a:ext cx="2962275" cy="637647"/>
+          </a:xfrm>
+          <a:prstGeom prst="rect">
+            <a:avLst/>
+          </a:prstGeom>
+        </p:spPr>
+      </p:pic>
     </p:spTree>
     <p:extLst>
       <p:ext uri="{BB962C8B-B14F-4D97-AF65-F5344CB8AC3E}">
         <p14:creationId xmlns:p14="http://schemas.microsoft.com/office/powerpoint/2010/main" val="2750421548"/>
+      </p:ext>
+    </p:extLst>
+  </p:cSld>
+  <p:clrMapOvr>
+    <a:masterClrMapping/>
+  </p:clrMapOvr>
+</p:sld>
+</file>
+
+<file path=ppt/slides/slide7.xml><?xml version="1.0" encoding="utf-8"?>
+<p:sld xmlns:a="http://schemas.openxmlformats.org/drawingml/2006/main" xmlns:r="http://schemas.openxmlformats.org/officeDocument/2006/relationships" xmlns:p="http://schemas.openxmlformats.org/presentationml/2006/main">
+  <p:cSld>
+    <p:spTree>
+      <p:nvGrpSpPr>
+        <p:cNvPr id="1" name=""/>
+        <p:cNvGrpSpPr/>
+        <p:nvPr/>
+      </p:nvGrpSpPr>
+      <p:grpSpPr>
+        <a:xfrm>
+          <a:off x="0" y="0"/>
+          <a:ext cx="0" cy="0"/>
+          <a:chOff x="0" y="0"/>
+          <a:chExt cx="0" cy="0"/>
+        </a:xfrm>
+      </p:grpSpPr>
+      <p:sp>
+        <p:nvSpPr>
+          <p:cNvPr id="2" name="Заголовок 1">
+            <a:extLst>
+              <a:ext uri="{FF2B5EF4-FFF2-40B4-BE49-F238E27FC236}">
+                <a16:creationId xmlns:a16="http://schemas.microsoft.com/office/drawing/2014/main" id="{7067D9ED-745B-42A8-9442-1C93556625EE}"/>
+              </a:ext>
+            </a:extLst>
+          </p:cNvPr>
+          <p:cNvSpPr>
+            <a:spLocks noGrp="1"/>
+          </p:cNvSpPr>
+          <p:nvPr>
+            <p:ph type="title"/>
+          </p:nvPr>
+        </p:nvSpPr>
+        <p:spPr/>
+        <p:txBody>
+          <a:bodyPr/>
+          <a:lstStyle/>
+          <a:p>
+            <a:r>
+              <a:rPr lang="ru-RU" dirty="0">
+                <a:solidFill>
+                  <a:schemeClr val="tx1">
+                    <a:lumMod val="75000"/>
+                    <a:lumOff val="25000"/>
+                  </a:schemeClr>
+                </a:solidFill>
+              </a:rPr>
+              <a:t>Итоги</a:t>
+            </a:r>
+          </a:p>
+        </p:txBody>
+      </p:sp>
+      <p:sp>
+        <p:nvSpPr>
+          <p:cNvPr id="3" name="Объект 2">
+            <a:extLst>
+              <a:ext uri="{FF2B5EF4-FFF2-40B4-BE49-F238E27FC236}">
+                <a16:creationId xmlns:a16="http://schemas.microsoft.com/office/drawing/2014/main" id="{752F4C63-37FC-4107-96B3-F16FF8C71484}"/>
+              </a:ext>
+            </a:extLst>
+          </p:cNvPr>
+          <p:cNvSpPr>
+            <a:spLocks noGrp="1"/>
+          </p:cNvSpPr>
+          <p:nvPr>
+            <p:ph idx="1"/>
+          </p:nvPr>
+        </p:nvSpPr>
+        <p:spPr/>
+        <p:txBody>
+          <a:bodyPr/>
+          <a:lstStyle/>
+          <a:p>
+            <a:pPr marL="0" indent="0">
+              <a:buNone/>
+            </a:pPr>
+            <a:r>
+              <a:rPr lang="ru-RU" dirty="0">
+                <a:solidFill>
+                  <a:schemeClr val="tx1">
+                    <a:lumMod val="75000"/>
+                    <a:lumOff val="25000"/>
+                  </a:schemeClr>
+                </a:solidFill>
+              </a:rPr>
+              <a:t>Мы считаем проект выполненным. Во время разработки мы сильнее углубились в </a:t>
+            </a:r>
+            <a:r>
+              <a:rPr lang="en-US" dirty="0" err="1">
+                <a:solidFill>
+                  <a:schemeClr val="tx1">
+                    <a:lumMod val="75000"/>
+                    <a:lumOff val="25000"/>
+                  </a:schemeClr>
+                </a:solidFill>
+              </a:rPr>
+              <a:t>pygame</a:t>
+            </a:r>
+            <a:r>
+              <a:rPr lang="ru-RU" dirty="0">
+                <a:solidFill>
+                  <a:schemeClr val="tx1">
+                    <a:lumMod val="75000"/>
+                    <a:lumOff val="25000"/>
+                  </a:schemeClr>
+                </a:solidFill>
+              </a:rPr>
+              <a:t> и получили опыт в разработке игр.</a:t>
+            </a:r>
+          </a:p>
+          <a:p>
+            <a:pPr marL="0" indent="0">
+              <a:buNone/>
+            </a:pPr>
+            <a:r>
+              <a:rPr lang="ru-RU" dirty="0">
+                <a:solidFill>
+                  <a:schemeClr val="tx1">
+                    <a:lumMod val="75000"/>
+                    <a:lumOff val="25000"/>
+                  </a:schemeClr>
+                </a:solidFill>
+              </a:rPr>
+              <a:t>Будущее развитие проекта может заключаться в добавлении музыки в главное меню и уровни, добавлении эффектов и динамического фона.</a:t>
+            </a:r>
+          </a:p>
+        </p:txBody>
+      </p:sp>
+    </p:spTree>
+    <p:extLst>
+      <p:ext uri="{BB962C8B-B14F-4D97-AF65-F5344CB8AC3E}">
+        <p14:creationId xmlns:p14="http://schemas.microsoft.com/office/powerpoint/2010/main" val="3483960063"/>
       </p:ext>
     </p:extLst>
   </p:cSld>

--- a/Подъем.pptx
+++ b/Подъем.pptx
@@ -152,7 +152,7 @@
           <p:cNvPr id="2" name="Заголовок 1">
             <a:extLst>
               <a:ext uri="{FF2B5EF4-FFF2-40B4-BE49-F238E27FC236}">
-                <a16:creationId xmlns:a16="http://schemas.microsoft.com/office/drawing/2014/main" id="{AE750E3C-3F6F-4FCF-8414-B0E28D9CC5CF}"/>
+                <a16:creationId xmlns:a16="http://schemas.microsoft.com/office/drawing/2014/main" xmlns="" id="{AE750E3C-3F6F-4FCF-8414-B0E28D9CC5CF}"/>
               </a:ext>
             </a:extLst>
           </p:cNvPr>
@@ -189,7 +189,7 @@
           <p:cNvPr id="3" name="Подзаголовок 2">
             <a:extLst>
               <a:ext uri="{FF2B5EF4-FFF2-40B4-BE49-F238E27FC236}">
-                <a16:creationId xmlns:a16="http://schemas.microsoft.com/office/drawing/2014/main" id="{CA2B6173-A7FB-4DBF-AD2B-7B198F47A164}"/>
+                <a16:creationId xmlns:a16="http://schemas.microsoft.com/office/drawing/2014/main" xmlns="" id="{CA2B6173-A7FB-4DBF-AD2B-7B198F47A164}"/>
               </a:ext>
             </a:extLst>
           </p:cNvPr>
@@ -259,7 +259,7 @@
           <p:cNvPr id="4" name="Дата 3">
             <a:extLst>
               <a:ext uri="{FF2B5EF4-FFF2-40B4-BE49-F238E27FC236}">
-                <a16:creationId xmlns:a16="http://schemas.microsoft.com/office/drawing/2014/main" id="{34E7C784-90FE-48B5-8FBE-BD966C730580}"/>
+                <a16:creationId xmlns:a16="http://schemas.microsoft.com/office/drawing/2014/main" xmlns="" id="{34E7C784-90FE-48B5-8FBE-BD966C730580}"/>
               </a:ext>
             </a:extLst>
           </p:cNvPr>
@@ -288,7 +288,7 @@
           <p:cNvPr id="5" name="Нижний колонтитул 4">
             <a:extLst>
               <a:ext uri="{FF2B5EF4-FFF2-40B4-BE49-F238E27FC236}">
-                <a16:creationId xmlns:a16="http://schemas.microsoft.com/office/drawing/2014/main" id="{128E0304-E54A-488A-82A8-938A300A1F00}"/>
+                <a16:creationId xmlns:a16="http://schemas.microsoft.com/office/drawing/2014/main" xmlns="" id="{128E0304-E54A-488A-82A8-938A300A1F00}"/>
               </a:ext>
             </a:extLst>
           </p:cNvPr>
@@ -313,7 +313,7 @@
           <p:cNvPr id="6" name="Номер слайда 5">
             <a:extLst>
               <a:ext uri="{FF2B5EF4-FFF2-40B4-BE49-F238E27FC236}">
-                <a16:creationId xmlns:a16="http://schemas.microsoft.com/office/drawing/2014/main" id="{F109262C-2249-4757-8B11-C3B6B6C306B1}"/>
+                <a16:creationId xmlns:a16="http://schemas.microsoft.com/office/drawing/2014/main" xmlns="" id="{F109262C-2249-4757-8B11-C3B6B6C306B1}"/>
               </a:ext>
             </a:extLst>
           </p:cNvPr>
@@ -372,7 +372,7 @@
           <p:cNvPr id="2" name="Заголовок 1">
             <a:extLst>
               <a:ext uri="{FF2B5EF4-FFF2-40B4-BE49-F238E27FC236}">
-                <a16:creationId xmlns:a16="http://schemas.microsoft.com/office/drawing/2014/main" id="{3E8E694D-63A8-4010-8833-EB3794893BCA}"/>
+                <a16:creationId xmlns:a16="http://schemas.microsoft.com/office/drawing/2014/main" xmlns="" id="{3E8E694D-63A8-4010-8833-EB3794893BCA}"/>
               </a:ext>
             </a:extLst>
           </p:cNvPr>
@@ -400,7 +400,7 @@
           <p:cNvPr id="3" name="Вертикальный текст 2">
             <a:extLst>
               <a:ext uri="{FF2B5EF4-FFF2-40B4-BE49-F238E27FC236}">
-                <a16:creationId xmlns:a16="http://schemas.microsoft.com/office/drawing/2014/main" id="{1C942DE4-C3EC-45D3-B4BD-8E57AA3A709D}"/>
+                <a16:creationId xmlns:a16="http://schemas.microsoft.com/office/drawing/2014/main" xmlns="" id="{1C942DE4-C3EC-45D3-B4BD-8E57AA3A709D}"/>
               </a:ext>
             </a:extLst>
           </p:cNvPr>
@@ -457,7 +457,7 @@
           <p:cNvPr id="4" name="Дата 3">
             <a:extLst>
               <a:ext uri="{FF2B5EF4-FFF2-40B4-BE49-F238E27FC236}">
-                <a16:creationId xmlns:a16="http://schemas.microsoft.com/office/drawing/2014/main" id="{54A965A3-4A8E-4C8B-B71A-208441CED9EF}"/>
+                <a16:creationId xmlns:a16="http://schemas.microsoft.com/office/drawing/2014/main" xmlns="" id="{54A965A3-4A8E-4C8B-B71A-208441CED9EF}"/>
               </a:ext>
             </a:extLst>
           </p:cNvPr>
@@ -486,7 +486,7 @@
           <p:cNvPr id="5" name="Нижний колонтитул 4">
             <a:extLst>
               <a:ext uri="{FF2B5EF4-FFF2-40B4-BE49-F238E27FC236}">
-                <a16:creationId xmlns:a16="http://schemas.microsoft.com/office/drawing/2014/main" id="{A104EA95-F4BC-4F16-83DD-7823D62F7650}"/>
+                <a16:creationId xmlns:a16="http://schemas.microsoft.com/office/drawing/2014/main" xmlns="" id="{A104EA95-F4BC-4F16-83DD-7823D62F7650}"/>
               </a:ext>
             </a:extLst>
           </p:cNvPr>
@@ -511,7 +511,7 @@
           <p:cNvPr id="6" name="Номер слайда 5">
             <a:extLst>
               <a:ext uri="{FF2B5EF4-FFF2-40B4-BE49-F238E27FC236}">
-                <a16:creationId xmlns:a16="http://schemas.microsoft.com/office/drawing/2014/main" id="{FD4A2F89-4321-4BC5-92BA-40C6C0AA61ED}"/>
+                <a16:creationId xmlns:a16="http://schemas.microsoft.com/office/drawing/2014/main" xmlns="" id="{FD4A2F89-4321-4BC5-92BA-40C6C0AA61ED}"/>
               </a:ext>
             </a:extLst>
           </p:cNvPr>
@@ -570,7 +570,7 @@
           <p:cNvPr id="2" name="Вертикальный заголовок 1">
             <a:extLst>
               <a:ext uri="{FF2B5EF4-FFF2-40B4-BE49-F238E27FC236}">
-                <a16:creationId xmlns:a16="http://schemas.microsoft.com/office/drawing/2014/main" id="{3F4A6F2A-F4C1-41F9-BA01-7D06168A59FF}"/>
+                <a16:creationId xmlns:a16="http://schemas.microsoft.com/office/drawing/2014/main" xmlns="" id="{3F4A6F2A-F4C1-41F9-BA01-7D06168A59FF}"/>
               </a:ext>
             </a:extLst>
           </p:cNvPr>
@@ -603,7 +603,7 @@
           <p:cNvPr id="3" name="Вертикальный текст 2">
             <a:extLst>
               <a:ext uri="{FF2B5EF4-FFF2-40B4-BE49-F238E27FC236}">
-                <a16:creationId xmlns:a16="http://schemas.microsoft.com/office/drawing/2014/main" id="{0E4392FC-7556-4A18-A592-C4F2D805007E}"/>
+                <a16:creationId xmlns:a16="http://schemas.microsoft.com/office/drawing/2014/main" xmlns="" id="{0E4392FC-7556-4A18-A592-C4F2D805007E}"/>
               </a:ext>
             </a:extLst>
           </p:cNvPr>
@@ -665,7 +665,7 @@
           <p:cNvPr id="4" name="Дата 3">
             <a:extLst>
               <a:ext uri="{FF2B5EF4-FFF2-40B4-BE49-F238E27FC236}">
-                <a16:creationId xmlns:a16="http://schemas.microsoft.com/office/drawing/2014/main" id="{3E930E1B-47FA-4D81-8065-C3532EA6277C}"/>
+                <a16:creationId xmlns:a16="http://schemas.microsoft.com/office/drawing/2014/main" xmlns="" id="{3E930E1B-47FA-4D81-8065-C3532EA6277C}"/>
               </a:ext>
             </a:extLst>
           </p:cNvPr>
@@ -694,7 +694,7 @@
           <p:cNvPr id="5" name="Нижний колонтитул 4">
             <a:extLst>
               <a:ext uri="{FF2B5EF4-FFF2-40B4-BE49-F238E27FC236}">
-                <a16:creationId xmlns:a16="http://schemas.microsoft.com/office/drawing/2014/main" id="{AFF76641-0BB9-4A12-931C-ABCDF3925323}"/>
+                <a16:creationId xmlns:a16="http://schemas.microsoft.com/office/drawing/2014/main" xmlns="" id="{AFF76641-0BB9-4A12-931C-ABCDF3925323}"/>
               </a:ext>
             </a:extLst>
           </p:cNvPr>
@@ -719,7 +719,7 @@
           <p:cNvPr id="6" name="Номер слайда 5">
             <a:extLst>
               <a:ext uri="{FF2B5EF4-FFF2-40B4-BE49-F238E27FC236}">
-                <a16:creationId xmlns:a16="http://schemas.microsoft.com/office/drawing/2014/main" id="{7E648F52-58AF-4E67-B7F6-89BE50709529}"/>
+                <a16:creationId xmlns:a16="http://schemas.microsoft.com/office/drawing/2014/main" xmlns="" id="{7E648F52-58AF-4E67-B7F6-89BE50709529}"/>
               </a:ext>
             </a:extLst>
           </p:cNvPr>
@@ -778,7 +778,7 @@
           <p:cNvPr id="2" name="Заголовок 1">
             <a:extLst>
               <a:ext uri="{FF2B5EF4-FFF2-40B4-BE49-F238E27FC236}">
-                <a16:creationId xmlns:a16="http://schemas.microsoft.com/office/drawing/2014/main" id="{23BDD12B-7DD0-43A1-A78B-AE75FEAFCD53}"/>
+                <a16:creationId xmlns:a16="http://schemas.microsoft.com/office/drawing/2014/main" xmlns="" id="{23BDD12B-7DD0-43A1-A78B-AE75FEAFCD53}"/>
               </a:ext>
             </a:extLst>
           </p:cNvPr>
@@ -806,7 +806,7 @@
           <p:cNvPr id="3" name="Объект 2">
             <a:extLst>
               <a:ext uri="{FF2B5EF4-FFF2-40B4-BE49-F238E27FC236}">
-                <a16:creationId xmlns:a16="http://schemas.microsoft.com/office/drawing/2014/main" id="{27B9B589-300D-4050-AEC4-3FDE4F9C329D}"/>
+                <a16:creationId xmlns:a16="http://schemas.microsoft.com/office/drawing/2014/main" xmlns="" id="{27B9B589-300D-4050-AEC4-3FDE4F9C329D}"/>
               </a:ext>
             </a:extLst>
           </p:cNvPr>
@@ -863,7 +863,7 @@
           <p:cNvPr id="4" name="Дата 3">
             <a:extLst>
               <a:ext uri="{FF2B5EF4-FFF2-40B4-BE49-F238E27FC236}">
-                <a16:creationId xmlns:a16="http://schemas.microsoft.com/office/drawing/2014/main" id="{87249547-E8FC-4789-9E0F-BB2382FAF477}"/>
+                <a16:creationId xmlns:a16="http://schemas.microsoft.com/office/drawing/2014/main" xmlns="" id="{87249547-E8FC-4789-9E0F-BB2382FAF477}"/>
               </a:ext>
             </a:extLst>
           </p:cNvPr>
@@ -892,7 +892,7 @@
           <p:cNvPr id="5" name="Нижний колонтитул 4">
             <a:extLst>
               <a:ext uri="{FF2B5EF4-FFF2-40B4-BE49-F238E27FC236}">
-                <a16:creationId xmlns:a16="http://schemas.microsoft.com/office/drawing/2014/main" id="{2CE41549-CC85-411B-9B65-6B387A2426B5}"/>
+                <a16:creationId xmlns:a16="http://schemas.microsoft.com/office/drawing/2014/main" xmlns="" id="{2CE41549-CC85-411B-9B65-6B387A2426B5}"/>
               </a:ext>
             </a:extLst>
           </p:cNvPr>
@@ -917,7 +917,7 @@
           <p:cNvPr id="6" name="Номер слайда 5">
             <a:extLst>
               <a:ext uri="{FF2B5EF4-FFF2-40B4-BE49-F238E27FC236}">
-                <a16:creationId xmlns:a16="http://schemas.microsoft.com/office/drawing/2014/main" id="{5F5489CD-9815-4E6D-9815-7F31CB8F4E2E}"/>
+                <a16:creationId xmlns:a16="http://schemas.microsoft.com/office/drawing/2014/main" xmlns="" id="{5F5489CD-9815-4E6D-9815-7F31CB8F4E2E}"/>
               </a:ext>
             </a:extLst>
           </p:cNvPr>
@@ -976,7 +976,7 @@
           <p:cNvPr id="2" name="Заголовок 1">
             <a:extLst>
               <a:ext uri="{FF2B5EF4-FFF2-40B4-BE49-F238E27FC236}">
-                <a16:creationId xmlns:a16="http://schemas.microsoft.com/office/drawing/2014/main" id="{55D76F67-4B33-4B40-A78D-F807EAEB2C93}"/>
+                <a16:creationId xmlns:a16="http://schemas.microsoft.com/office/drawing/2014/main" xmlns="" id="{55D76F67-4B33-4B40-A78D-F807EAEB2C93}"/>
               </a:ext>
             </a:extLst>
           </p:cNvPr>
@@ -1013,7 +1013,7 @@
           <p:cNvPr id="3" name="Текст 2">
             <a:extLst>
               <a:ext uri="{FF2B5EF4-FFF2-40B4-BE49-F238E27FC236}">
-                <a16:creationId xmlns:a16="http://schemas.microsoft.com/office/drawing/2014/main" id="{7E2F8A91-F724-472E-97B3-B00945BACE3B}"/>
+                <a16:creationId xmlns:a16="http://schemas.microsoft.com/office/drawing/2014/main" xmlns="" id="{7E2F8A91-F724-472E-97B3-B00945BACE3B}"/>
               </a:ext>
             </a:extLst>
           </p:cNvPr>
@@ -1138,7 +1138,7 @@
           <p:cNvPr id="4" name="Дата 3">
             <a:extLst>
               <a:ext uri="{FF2B5EF4-FFF2-40B4-BE49-F238E27FC236}">
-                <a16:creationId xmlns:a16="http://schemas.microsoft.com/office/drawing/2014/main" id="{81B40191-C1A1-4BD4-888B-CFC052312267}"/>
+                <a16:creationId xmlns:a16="http://schemas.microsoft.com/office/drawing/2014/main" xmlns="" id="{81B40191-C1A1-4BD4-888B-CFC052312267}"/>
               </a:ext>
             </a:extLst>
           </p:cNvPr>
@@ -1167,7 +1167,7 @@
           <p:cNvPr id="5" name="Нижний колонтитул 4">
             <a:extLst>
               <a:ext uri="{FF2B5EF4-FFF2-40B4-BE49-F238E27FC236}">
-                <a16:creationId xmlns:a16="http://schemas.microsoft.com/office/drawing/2014/main" id="{5A298017-F1D4-4891-A052-D02852733EBF}"/>
+                <a16:creationId xmlns:a16="http://schemas.microsoft.com/office/drawing/2014/main" xmlns="" id="{5A298017-F1D4-4891-A052-D02852733EBF}"/>
               </a:ext>
             </a:extLst>
           </p:cNvPr>
@@ -1192,7 +1192,7 @@
           <p:cNvPr id="6" name="Номер слайда 5">
             <a:extLst>
               <a:ext uri="{FF2B5EF4-FFF2-40B4-BE49-F238E27FC236}">
-                <a16:creationId xmlns:a16="http://schemas.microsoft.com/office/drawing/2014/main" id="{7F44F380-2880-4802-8CFD-F1038DD3C593}"/>
+                <a16:creationId xmlns:a16="http://schemas.microsoft.com/office/drawing/2014/main" xmlns="" id="{7F44F380-2880-4802-8CFD-F1038DD3C593}"/>
               </a:ext>
             </a:extLst>
           </p:cNvPr>
@@ -1251,7 +1251,7 @@
           <p:cNvPr id="2" name="Заголовок 1">
             <a:extLst>
               <a:ext uri="{FF2B5EF4-FFF2-40B4-BE49-F238E27FC236}">
-                <a16:creationId xmlns:a16="http://schemas.microsoft.com/office/drawing/2014/main" id="{2F0752A9-F306-43BF-8B57-D9886DFEE941}"/>
+                <a16:creationId xmlns:a16="http://schemas.microsoft.com/office/drawing/2014/main" xmlns="" id="{2F0752A9-F306-43BF-8B57-D9886DFEE941}"/>
               </a:ext>
             </a:extLst>
           </p:cNvPr>
@@ -1279,7 +1279,7 @@
           <p:cNvPr id="3" name="Объект 2">
             <a:extLst>
               <a:ext uri="{FF2B5EF4-FFF2-40B4-BE49-F238E27FC236}">
-                <a16:creationId xmlns:a16="http://schemas.microsoft.com/office/drawing/2014/main" id="{66AE46BC-D762-4962-B184-DDB87E80A510}"/>
+                <a16:creationId xmlns:a16="http://schemas.microsoft.com/office/drawing/2014/main" xmlns="" id="{66AE46BC-D762-4962-B184-DDB87E80A510}"/>
               </a:ext>
             </a:extLst>
           </p:cNvPr>
@@ -1341,7 +1341,7 @@
           <p:cNvPr id="4" name="Объект 3">
             <a:extLst>
               <a:ext uri="{FF2B5EF4-FFF2-40B4-BE49-F238E27FC236}">
-                <a16:creationId xmlns:a16="http://schemas.microsoft.com/office/drawing/2014/main" id="{81E0B881-6D41-408A-A29A-97FF41BFADF1}"/>
+                <a16:creationId xmlns:a16="http://schemas.microsoft.com/office/drawing/2014/main" xmlns="" id="{81E0B881-6D41-408A-A29A-97FF41BFADF1}"/>
               </a:ext>
             </a:extLst>
           </p:cNvPr>
@@ -1403,7 +1403,7 @@
           <p:cNvPr id="5" name="Дата 4">
             <a:extLst>
               <a:ext uri="{FF2B5EF4-FFF2-40B4-BE49-F238E27FC236}">
-                <a16:creationId xmlns:a16="http://schemas.microsoft.com/office/drawing/2014/main" id="{8622DF7E-BD24-4A00-A6F1-E2ACD1721310}"/>
+                <a16:creationId xmlns:a16="http://schemas.microsoft.com/office/drawing/2014/main" xmlns="" id="{8622DF7E-BD24-4A00-A6F1-E2ACD1721310}"/>
               </a:ext>
             </a:extLst>
           </p:cNvPr>
@@ -1432,7 +1432,7 @@
           <p:cNvPr id="6" name="Нижний колонтитул 5">
             <a:extLst>
               <a:ext uri="{FF2B5EF4-FFF2-40B4-BE49-F238E27FC236}">
-                <a16:creationId xmlns:a16="http://schemas.microsoft.com/office/drawing/2014/main" id="{6F1529B7-8655-40F9-A7D8-3F2FFCB1E3F6}"/>
+                <a16:creationId xmlns:a16="http://schemas.microsoft.com/office/drawing/2014/main" xmlns="" id="{6F1529B7-8655-40F9-A7D8-3F2FFCB1E3F6}"/>
               </a:ext>
             </a:extLst>
           </p:cNvPr>
@@ -1457,7 +1457,7 @@
           <p:cNvPr id="7" name="Номер слайда 6">
             <a:extLst>
               <a:ext uri="{FF2B5EF4-FFF2-40B4-BE49-F238E27FC236}">
-                <a16:creationId xmlns:a16="http://schemas.microsoft.com/office/drawing/2014/main" id="{12477153-902B-4B44-A020-9D6FA6B94542}"/>
+                <a16:creationId xmlns:a16="http://schemas.microsoft.com/office/drawing/2014/main" xmlns="" id="{12477153-902B-4B44-A020-9D6FA6B94542}"/>
               </a:ext>
             </a:extLst>
           </p:cNvPr>
@@ -1516,7 +1516,7 @@
           <p:cNvPr id="2" name="Заголовок 1">
             <a:extLst>
               <a:ext uri="{FF2B5EF4-FFF2-40B4-BE49-F238E27FC236}">
-                <a16:creationId xmlns:a16="http://schemas.microsoft.com/office/drawing/2014/main" id="{B910773B-27E7-49DF-AC82-29F55A557CDE}"/>
+                <a16:creationId xmlns:a16="http://schemas.microsoft.com/office/drawing/2014/main" xmlns="" id="{B910773B-27E7-49DF-AC82-29F55A557CDE}"/>
               </a:ext>
             </a:extLst>
           </p:cNvPr>
@@ -1549,7 +1549,7 @@
           <p:cNvPr id="3" name="Текст 2">
             <a:extLst>
               <a:ext uri="{FF2B5EF4-FFF2-40B4-BE49-F238E27FC236}">
-                <a16:creationId xmlns:a16="http://schemas.microsoft.com/office/drawing/2014/main" id="{6ADA41C3-FDBB-449F-870D-C973489069B8}"/>
+                <a16:creationId xmlns:a16="http://schemas.microsoft.com/office/drawing/2014/main" xmlns="" id="{6ADA41C3-FDBB-449F-870D-C973489069B8}"/>
               </a:ext>
             </a:extLst>
           </p:cNvPr>
@@ -1620,7 +1620,7 @@
           <p:cNvPr id="4" name="Объект 3">
             <a:extLst>
               <a:ext uri="{FF2B5EF4-FFF2-40B4-BE49-F238E27FC236}">
-                <a16:creationId xmlns:a16="http://schemas.microsoft.com/office/drawing/2014/main" id="{D40EA3D8-C18B-4916-B79D-2485F4A7FC38}"/>
+                <a16:creationId xmlns:a16="http://schemas.microsoft.com/office/drawing/2014/main" xmlns="" id="{D40EA3D8-C18B-4916-B79D-2485F4A7FC38}"/>
               </a:ext>
             </a:extLst>
           </p:cNvPr>
@@ -1682,7 +1682,7 @@
           <p:cNvPr id="5" name="Текст 4">
             <a:extLst>
               <a:ext uri="{FF2B5EF4-FFF2-40B4-BE49-F238E27FC236}">
-                <a16:creationId xmlns:a16="http://schemas.microsoft.com/office/drawing/2014/main" id="{68EC5E9C-84CF-43A4-95A9-04ADA0937056}"/>
+                <a16:creationId xmlns:a16="http://schemas.microsoft.com/office/drawing/2014/main" xmlns="" id="{68EC5E9C-84CF-43A4-95A9-04ADA0937056}"/>
               </a:ext>
             </a:extLst>
           </p:cNvPr>
@@ -1753,7 +1753,7 @@
           <p:cNvPr id="6" name="Объект 5">
             <a:extLst>
               <a:ext uri="{FF2B5EF4-FFF2-40B4-BE49-F238E27FC236}">
-                <a16:creationId xmlns:a16="http://schemas.microsoft.com/office/drawing/2014/main" id="{C1B1E335-7863-4C9A-9CD2-8582E796C9FB}"/>
+                <a16:creationId xmlns:a16="http://schemas.microsoft.com/office/drawing/2014/main" xmlns="" id="{C1B1E335-7863-4C9A-9CD2-8582E796C9FB}"/>
               </a:ext>
             </a:extLst>
           </p:cNvPr>
@@ -1815,7 +1815,7 @@
           <p:cNvPr id="7" name="Дата 6">
             <a:extLst>
               <a:ext uri="{FF2B5EF4-FFF2-40B4-BE49-F238E27FC236}">
-                <a16:creationId xmlns:a16="http://schemas.microsoft.com/office/drawing/2014/main" id="{8D8269EE-8154-46D5-BB01-31F232FEA85F}"/>
+                <a16:creationId xmlns:a16="http://schemas.microsoft.com/office/drawing/2014/main" xmlns="" id="{8D8269EE-8154-46D5-BB01-31F232FEA85F}"/>
               </a:ext>
             </a:extLst>
           </p:cNvPr>
@@ -1844,7 +1844,7 @@
           <p:cNvPr id="8" name="Нижний колонтитул 7">
             <a:extLst>
               <a:ext uri="{FF2B5EF4-FFF2-40B4-BE49-F238E27FC236}">
-                <a16:creationId xmlns:a16="http://schemas.microsoft.com/office/drawing/2014/main" id="{D55D6848-5E72-423B-B2DB-B7491A560C02}"/>
+                <a16:creationId xmlns:a16="http://schemas.microsoft.com/office/drawing/2014/main" xmlns="" id="{D55D6848-5E72-423B-B2DB-B7491A560C02}"/>
               </a:ext>
             </a:extLst>
           </p:cNvPr>
@@ -1869,7 +1869,7 @@
           <p:cNvPr id="9" name="Номер слайда 8">
             <a:extLst>
               <a:ext uri="{FF2B5EF4-FFF2-40B4-BE49-F238E27FC236}">
-                <a16:creationId xmlns:a16="http://schemas.microsoft.com/office/drawing/2014/main" id="{B261FD2E-57A2-42B7-B1A3-1428FF58D3FE}"/>
+                <a16:creationId xmlns:a16="http://schemas.microsoft.com/office/drawing/2014/main" xmlns="" id="{B261FD2E-57A2-42B7-B1A3-1428FF58D3FE}"/>
               </a:ext>
             </a:extLst>
           </p:cNvPr>
@@ -1928,7 +1928,7 @@
           <p:cNvPr id="2" name="Заголовок 1">
             <a:extLst>
               <a:ext uri="{FF2B5EF4-FFF2-40B4-BE49-F238E27FC236}">
-                <a16:creationId xmlns:a16="http://schemas.microsoft.com/office/drawing/2014/main" id="{ABB57415-0DD9-409B-9570-79D21E84DA3C}"/>
+                <a16:creationId xmlns:a16="http://schemas.microsoft.com/office/drawing/2014/main" xmlns="" id="{ABB57415-0DD9-409B-9570-79D21E84DA3C}"/>
               </a:ext>
             </a:extLst>
           </p:cNvPr>
@@ -1956,7 +1956,7 @@
           <p:cNvPr id="3" name="Дата 2">
             <a:extLst>
               <a:ext uri="{FF2B5EF4-FFF2-40B4-BE49-F238E27FC236}">
-                <a16:creationId xmlns:a16="http://schemas.microsoft.com/office/drawing/2014/main" id="{E293F4CD-5047-4319-A10A-DD7F068CA0E6}"/>
+                <a16:creationId xmlns:a16="http://schemas.microsoft.com/office/drawing/2014/main" xmlns="" id="{E293F4CD-5047-4319-A10A-DD7F068CA0E6}"/>
               </a:ext>
             </a:extLst>
           </p:cNvPr>
@@ -1985,7 +1985,7 @@
           <p:cNvPr id="4" name="Нижний колонтитул 3">
             <a:extLst>
               <a:ext uri="{FF2B5EF4-FFF2-40B4-BE49-F238E27FC236}">
-                <a16:creationId xmlns:a16="http://schemas.microsoft.com/office/drawing/2014/main" id="{96BCE186-2705-4BB2-8CED-1009EDE9779F}"/>
+                <a16:creationId xmlns:a16="http://schemas.microsoft.com/office/drawing/2014/main" xmlns="" id="{96BCE186-2705-4BB2-8CED-1009EDE9779F}"/>
               </a:ext>
             </a:extLst>
           </p:cNvPr>
@@ -2010,7 +2010,7 @@
           <p:cNvPr id="5" name="Номер слайда 4">
             <a:extLst>
               <a:ext uri="{FF2B5EF4-FFF2-40B4-BE49-F238E27FC236}">
-                <a16:creationId xmlns:a16="http://schemas.microsoft.com/office/drawing/2014/main" id="{D81FDBF4-0834-419D-A1C9-AAEC308F3476}"/>
+                <a16:creationId xmlns:a16="http://schemas.microsoft.com/office/drawing/2014/main" xmlns="" id="{D81FDBF4-0834-419D-A1C9-AAEC308F3476}"/>
               </a:ext>
             </a:extLst>
           </p:cNvPr>
@@ -2069,7 +2069,7 @@
           <p:cNvPr id="2" name="Дата 1">
             <a:extLst>
               <a:ext uri="{FF2B5EF4-FFF2-40B4-BE49-F238E27FC236}">
-                <a16:creationId xmlns:a16="http://schemas.microsoft.com/office/drawing/2014/main" id="{54EE984A-B97C-4B5A-8EE5-86CD15A0F40C}"/>
+                <a16:creationId xmlns:a16="http://schemas.microsoft.com/office/drawing/2014/main" xmlns="" id="{54EE984A-B97C-4B5A-8EE5-86CD15A0F40C}"/>
               </a:ext>
             </a:extLst>
           </p:cNvPr>
@@ -2098,7 +2098,7 @@
           <p:cNvPr id="3" name="Нижний колонтитул 2">
             <a:extLst>
               <a:ext uri="{FF2B5EF4-FFF2-40B4-BE49-F238E27FC236}">
-                <a16:creationId xmlns:a16="http://schemas.microsoft.com/office/drawing/2014/main" id="{A5CB5211-F78E-4474-93EC-B3093412D7A1}"/>
+                <a16:creationId xmlns:a16="http://schemas.microsoft.com/office/drawing/2014/main" xmlns="" id="{A5CB5211-F78E-4474-93EC-B3093412D7A1}"/>
               </a:ext>
             </a:extLst>
           </p:cNvPr>
@@ -2123,7 +2123,7 @@
           <p:cNvPr id="4" name="Номер слайда 3">
             <a:extLst>
               <a:ext uri="{FF2B5EF4-FFF2-40B4-BE49-F238E27FC236}">
-                <a16:creationId xmlns:a16="http://schemas.microsoft.com/office/drawing/2014/main" id="{C5878013-8E15-4783-BACF-38EB2F143DEA}"/>
+                <a16:creationId xmlns:a16="http://schemas.microsoft.com/office/drawing/2014/main" xmlns="" id="{C5878013-8E15-4783-BACF-38EB2F143DEA}"/>
               </a:ext>
             </a:extLst>
           </p:cNvPr>
@@ -2182,7 +2182,7 @@
           <p:cNvPr id="2" name="Заголовок 1">
             <a:extLst>
               <a:ext uri="{FF2B5EF4-FFF2-40B4-BE49-F238E27FC236}">
-                <a16:creationId xmlns:a16="http://schemas.microsoft.com/office/drawing/2014/main" id="{DCB2D3B6-837B-45A8-95D5-F3ACA5A3B5D6}"/>
+                <a16:creationId xmlns:a16="http://schemas.microsoft.com/office/drawing/2014/main" xmlns="" id="{DCB2D3B6-837B-45A8-95D5-F3ACA5A3B5D6}"/>
               </a:ext>
             </a:extLst>
           </p:cNvPr>
@@ -2219,7 +2219,7 @@
           <p:cNvPr id="3" name="Объект 2">
             <a:extLst>
               <a:ext uri="{FF2B5EF4-FFF2-40B4-BE49-F238E27FC236}">
-                <a16:creationId xmlns:a16="http://schemas.microsoft.com/office/drawing/2014/main" id="{FF9C2FD0-E216-445D-A6B6-5173553B2C34}"/>
+                <a16:creationId xmlns:a16="http://schemas.microsoft.com/office/drawing/2014/main" xmlns="" id="{FF9C2FD0-E216-445D-A6B6-5173553B2C34}"/>
               </a:ext>
             </a:extLst>
           </p:cNvPr>
@@ -2309,7 +2309,7 @@
           <p:cNvPr id="4" name="Текст 3">
             <a:extLst>
               <a:ext uri="{FF2B5EF4-FFF2-40B4-BE49-F238E27FC236}">
-                <a16:creationId xmlns:a16="http://schemas.microsoft.com/office/drawing/2014/main" id="{52E15826-734A-4033-886E-9848CFDD79B5}"/>
+                <a16:creationId xmlns:a16="http://schemas.microsoft.com/office/drawing/2014/main" xmlns="" id="{52E15826-734A-4033-886E-9848CFDD79B5}"/>
               </a:ext>
             </a:extLst>
           </p:cNvPr>
@@ -2380,7 +2380,7 @@
           <p:cNvPr id="5" name="Дата 4">
             <a:extLst>
               <a:ext uri="{FF2B5EF4-FFF2-40B4-BE49-F238E27FC236}">
-                <a16:creationId xmlns:a16="http://schemas.microsoft.com/office/drawing/2014/main" id="{ECC96755-279A-448B-838F-D71D75B53676}"/>
+                <a16:creationId xmlns:a16="http://schemas.microsoft.com/office/drawing/2014/main" xmlns="" id="{ECC96755-279A-448B-838F-D71D75B53676}"/>
               </a:ext>
             </a:extLst>
           </p:cNvPr>
@@ -2409,7 +2409,7 @@
           <p:cNvPr id="6" name="Нижний колонтитул 5">
             <a:extLst>
               <a:ext uri="{FF2B5EF4-FFF2-40B4-BE49-F238E27FC236}">
-                <a16:creationId xmlns:a16="http://schemas.microsoft.com/office/drawing/2014/main" id="{623180C2-7AC8-404E-B7ED-E2872BDB39E3}"/>
+                <a16:creationId xmlns:a16="http://schemas.microsoft.com/office/drawing/2014/main" xmlns="" id="{623180C2-7AC8-404E-B7ED-E2872BDB39E3}"/>
               </a:ext>
             </a:extLst>
           </p:cNvPr>
@@ -2434,7 +2434,7 @@
           <p:cNvPr id="7" name="Номер слайда 6">
             <a:extLst>
               <a:ext uri="{FF2B5EF4-FFF2-40B4-BE49-F238E27FC236}">
-                <a16:creationId xmlns:a16="http://schemas.microsoft.com/office/drawing/2014/main" id="{ECC4D35F-7F6E-4F92-B4A8-E202697F03A9}"/>
+                <a16:creationId xmlns:a16="http://schemas.microsoft.com/office/drawing/2014/main" xmlns="" id="{ECC4D35F-7F6E-4F92-B4A8-E202697F03A9}"/>
               </a:ext>
             </a:extLst>
           </p:cNvPr>
@@ -2493,7 +2493,7 @@
           <p:cNvPr id="2" name="Заголовок 1">
             <a:extLst>
               <a:ext uri="{FF2B5EF4-FFF2-40B4-BE49-F238E27FC236}">
-                <a16:creationId xmlns:a16="http://schemas.microsoft.com/office/drawing/2014/main" id="{25BF4B4A-FBB5-4FAE-A3A9-48039FE7F04E}"/>
+                <a16:creationId xmlns:a16="http://schemas.microsoft.com/office/drawing/2014/main" xmlns="" id="{25BF4B4A-FBB5-4FAE-A3A9-48039FE7F04E}"/>
               </a:ext>
             </a:extLst>
           </p:cNvPr>
@@ -2530,7 +2530,7 @@
           <p:cNvPr id="3" name="Рисунок 2">
             <a:extLst>
               <a:ext uri="{FF2B5EF4-FFF2-40B4-BE49-F238E27FC236}">
-                <a16:creationId xmlns:a16="http://schemas.microsoft.com/office/drawing/2014/main" id="{9D385456-71B3-4E64-911A-46D9E3DB4F7B}"/>
+                <a16:creationId xmlns:a16="http://schemas.microsoft.com/office/drawing/2014/main" xmlns="" id="{9D385456-71B3-4E64-911A-46D9E3DB4F7B}"/>
               </a:ext>
             </a:extLst>
           </p:cNvPr>
@@ -2597,7 +2597,7 @@
           <p:cNvPr id="4" name="Текст 3">
             <a:extLst>
               <a:ext uri="{FF2B5EF4-FFF2-40B4-BE49-F238E27FC236}">
-                <a16:creationId xmlns:a16="http://schemas.microsoft.com/office/drawing/2014/main" id="{FCFE9BA1-375A-44AA-8D05-F90A7FCF2132}"/>
+                <a16:creationId xmlns:a16="http://schemas.microsoft.com/office/drawing/2014/main" xmlns="" id="{FCFE9BA1-375A-44AA-8D05-F90A7FCF2132}"/>
               </a:ext>
             </a:extLst>
           </p:cNvPr>
@@ -2668,7 +2668,7 @@
           <p:cNvPr id="5" name="Дата 4">
             <a:extLst>
               <a:ext uri="{FF2B5EF4-FFF2-40B4-BE49-F238E27FC236}">
-                <a16:creationId xmlns:a16="http://schemas.microsoft.com/office/drawing/2014/main" id="{F104CDE0-0D97-4F47-A975-08B663444A6C}"/>
+                <a16:creationId xmlns:a16="http://schemas.microsoft.com/office/drawing/2014/main" xmlns="" id="{F104CDE0-0D97-4F47-A975-08B663444A6C}"/>
               </a:ext>
             </a:extLst>
           </p:cNvPr>
@@ -2697,7 +2697,7 @@
           <p:cNvPr id="6" name="Нижний колонтитул 5">
             <a:extLst>
               <a:ext uri="{FF2B5EF4-FFF2-40B4-BE49-F238E27FC236}">
-                <a16:creationId xmlns:a16="http://schemas.microsoft.com/office/drawing/2014/main" id="{4B74A3DA-78BB-42F3-A07A-28D61F16589A}"/>
+                <a16:creationId xmlns:a16="http://schemas.microsoft.com/office/drawing/2014/main" xmlns="" id="{4B74A3DA-78BB-42F3-A07A-28D61F16589A}"/>
               </a:ext>
             </a:extLst>
           </p:cNvPr>
@@ -2722,7 +2722,7 @@
           <p:cNvPr id="7" name="Номер слайда 6">
             <a:extLst>
               <a:ext uri="{FF2B5EF4-FFF2-40B4-BE49-F238E27FC236}">
-                <a16:creationId xmlns:a16="http://schemas.microsoft.com/office/drawing/2014/main" id="{08F0AB82-9B03-4DED-AC9F-56002FCF62E0}"/>
+                <a16:creationId xmlns:a16="http://schemas.microsoft.com/office/drawing/2014/main" xmlns="" id="{08F0AB82-9B03-4DED-AC9F-56002FCF62E0}"/>
               </a:ext>
             </a:extLst>
           </p:cNvPr>
@@ -2786,7 +2786,7 @@
           <p:cNvPr id="2" name="Заголовок 1">
             <a:extLst>
               <a:ext uri="{FF2B5EF4-FFF2-40B4-BE49-F238E27FC236}">
-                <a16:creationId xmlns:a16="http://schemas.microsoft.com/office/drawing/2014/main" id="{DE433C5C-F1F9-49E2-B172-7D23E2DAF40D}"/>
+                <a16:creationId xmlns:a16="http://schemas.microsoft.com/office/drawing/2014/main" xmlns="" id="{DE433C5C-F1F9-49E2-B172-7D23E2DAF40D}"/>
               </a:ext>
             </a:extLst>
           </p:cNvPr>
@@ -2824,7 +2824,7 @@
           <p:cNvPr id="3" name="Текст 2">
             <a:extLst>
               <a:ext uri="{FF2B5EF4-FFF2-40B4-BE49-F238E27FC236}">
-                <a16:creationId xmlns:a16="http://schemas.microsoft.com/office/drawing/2014/main" id="{91DA3522-CC0B-4890-9580-042674EB5F69}"/>
+                <a16:creationId xmlns:a16="http://schemas.microsoft.com/office/drawing/2014/main" xmlns="" id="{91DA3522-CC0B-4890-9580-042674EB5F69}"/>
               </a:ext>
             </a:extLst>
           </p:cNvPr>
@@ -2891,7 +2891,7 @@
           <p:cNvPr id="4" name="Дата 3">
             <a:extLst>
               <a:ext uri="{FF2B5EF4-FFF2-40B4-BE49-F238E27FC236}">
-                <a16:creationId xmlns:a16="http://schemas.microsoft.com/office/drawing/2014/main" id="{11C03819-1AD8-4828-826C-9BA5E977D561}"/>
+                <a16:creationId xmlns:a16="http://schemas.microsoft.com/office/drawing/2014/main" xmlns="" id="{11C03819-1AD8-4828-826C-9BA5E977D561}"/>
               </a:ext>
             </a:extLst>
           </p:cNvPr>
@@ -2938,7 +2938,7 @@
           <p:cNvPr id="5" name="Нижний колонтитул 4">
             <a:extLst>
               <a:ext uri="{FF2B5EF4-FFF2-40B4-BE49-F238E27FC236}">
-                <a16:creationId xmlns:a16="http://schemas.microsoft.com/office/drawing/2014/main" id="{3E9AE578-CCF0-473A-8E9D-420E6B0E29E1}"/>
+                <a16:creationId xmlns:a16="http://schemas.microsoft.com/office/drawing/2014/main" xmlns="" id="{3E9AE578-CCF0-473A-8E9D-420E6B0E29E1}"/>
               </a:ext>
             </a:extLst>
           </p:cNvPr>
@@ -2981,7 +2981,7 @@
           <p:cNvPr id="6" name="Номер слайда 5">
             <a:extLst>
               <a:ext uri="{FF2B5EF4-FFF2-40B4-BE49-F238E27FC236}">
-                <a16:creationId xmlns:a16="http://schemas.microsoft.com/office/drawing/2014/main" id="{5A0419D3-A41C-4321-BFFB-26E1E5CEEC06}"/>
+                <a16:creationId xmlns:a16="http://schemas.microsoft.com/office/drawing/2014/main" xmlns="" id="{5A0419D3-A41C-4321-BFFB-26E1E5CEEC06}"/>
               </a:ext>
             </a:extLst>
           </p:cNvPr>
@@ -3349,7 +3349,7 @@
           <p:cNvPr id="2" name="Заголовок 1">
             <a:extLst>
               <a:ext uri="{FF2B5EF4-FFF2-40B4-BE49-F238E27FC236}">
-                <a16:creationId xmlns:a16="http://schemas.microsoft.com/office/drawing/2014/main" id="{47DC1D28-68F8-4D6C-B173-16A25279D849}"/>
+                <a16:creationId xmlns:a16="http://schemas.microsoft.com/office/drawing/2014/main" xmlns="" id="{47DC1D28-68F8-4D6C-B173-16A25279D849}"/>
               </a:ext>
             </a:extLst>
           </p:cNvPr>
@@ -3384,7 +3384,7 @@
           <p:cNvPr id="3" name="Подзаголовок 2">
             <a:extLst>
               <a:ext uri="{FF2B5EF4-FFF2-40B4-BE49-F238E27FC236}">
-                <a16:creationId xmlns:a16="http://schemas.microsoft.com/office/drawing/2014/main" id="{CD33AE8A-F342-4B0F-BBA2-8465179BBD6C}"/>
+                <a16:creationId xmlns:a16="http://schemas.microsoft.com/office/drawing/2014/main" xmlns="" id="{CD33AE8A-F342-4B0F-BBA2-8465179BBD6C}"/>
               </a:ext>
             </a:extLst>
           </p:cNvPr>
@@ -3441,7 +3441,7 @@
           <p:cNvPr id="4" name="TextBox 3">
             <a:extLst>
               <a:ext uri="{FF2B5EF4-FFF2-40B4-BE49-F238E27FC236}">
-                <a16:creationId xmlns:a16="http://schemas.microsoft.com/office/drawing/2014/main" id="{41636EBC-E72E-427C-B128-7B5E947C5507}"/>
+                <a16:creationId xmlns:a16="http://schemas.microsoft.com/office/drawing/2014/main" xmlns="" id="{41636EBC-E72E-427C-B128-7B5E947C5507}"/>
               </a:ext>
             </a:extLst>
           </p:cNvPr>
@@ -3588,7 +3588,7 @@
           <p:cNvPr id="2" name="Заголовок 1">
             <a:extLst>
               <a:ext uri="{FF2B5EF4-FFF2-40B4-BE49-F238E27FC236}">
-                <a16:creationId xmlns:a16="http://schemas.microsoft.com/office/drawing/2014/main" id="{895A2324-A440-4E14-BAE5-0DA9A4170386}"/>
+                <a16:creationId xmlns:a16="http://schemas.microsoft.com/office/drawing/2014/main" xmlns="" id="{895A2324-A440-4E14-BAE5-0DA9A4170386}"/>
               </a:ext>
             </a:extLst>
           </p:cNvPr>
@@ -3623,7 +3623,7 @@
           <p:cNvPr id="3" name="Объект 2">
             <a:extLst>
               <a:ext uri="{FF2B5EF4-FFF2-40B4-BE49-F238E27FC236}">
-                <a16:creationId xmlns:a16="http://schemas.microsoft.com/office/drawing/2014/main" id="{EB4EA289-2030-4C35-86CC-02D4C1C27322}"/>
+                <a16:creationId xmlns:a16="http://schemas.microsoft.com/office/drawing/2014/main" xmlns="" id="{EB4EA289-2030-4C35-86CC-02D4C1C27322}"/>
               </a:ext>
             </a:extLst>
           </p:cNvPr>
@@ -3874,7 +3874,7 @@
           <p:cNvPr id="2" name="Заголовок 1">
             <a:extLst>
               <a:ext uri="{FF2B5EF4-FFF2-40B4-BE49-F238E27FC236}">
-                <a16:creationId xmlns:a16="http://schemas.microsoft.com/office/drawing/2014/main" id="{21F19C25-C04A-4056-8D64-9B46686B5544}"/>
+                <a16:creationId xmlns:a16="http://schemas.microsoft.com/office/drawing/2014/main" xmlns="" id="{21F19C25-C04A-4056-8D64-9B46686B5544}"/>
               </a:ext>
             </a:extLst>
           </p:cNvPr>
@@ -3909,7 +3909,7 @@
           <p:cNvPr id="3" name="Объект 2">
             <a:extLst>
               <a:ext uri="{FF2B5EF4-FFF2-40B4-BE49-F238E27FC236}">
-                <a16:creationId xmlns:a16="http://schemas.microsoft.com/office/drawing/2014/main" id="{0DC28079-ECB2-45AC-9931-FDBC68181CC6}"/>
+                <a16:creationId xmlns:a16="http://schemas.microsoft.com/office/drawing/2014/main" xmlns="" id="{0DC28079-ECB2-45AC-9931-FDBC68181CC6}"/>
               </a:ext>
             </a:extLst>
           </p:cNvPr>
@@ -4021,7 +4021,51 @@
                   </a:schemeClr>
                 </a:solidFill>
               </a:rPr>
-              <a:t> расчёт расположения элементов меню происходит по открытии игры или при смене разрешения. Внутри цикла меню инициализируется еще один цикл уровня после выбора игроком уровня, цикл прекращается после прохождения уровня.</a:t>
+              <a:t> расчёт расположения элементов меню происходит по открытии игры или при смене разрешения. Внутри цикла меню </a:t>
+            </a:r>
+            <a:r>
+              <a:rPr lang="ru-RU" sz="2400">
+                <a:solidFill>
+                  <a:schemeClr val="tx1">
+                    <a:lumMod val="75000"/>
+                    <a:lumOff val="25000"/>
+                  </a:schemeClr>
+                </a:solidFill>
+              </a:rPr>
+              <a:t>инициализируется </a:t>
+            </a:r>
+            <a:r>
+              <a:rPr lang="ru-RU" sz="2400" smtClean="0">
+                <a:solidFill>
+                  <a:schemeClr val="tx1">
+                    <a:lumMod val="75000"/>
+                    <a:lumOff val="25000"/>
+                  </a:schemeClr>
+                </a:solidFill>
+              </a:rPr>
+              <a:t>цикл </a:t>
+            </a:r>
+            <a:r>
+              <a:rPr lang="ru-RU" sz="2400" dirty="0" smtClean="0">
+                <a:solidFill>
+                  <a:schemeClr val="tx1">
+                    <a:lumMod val="75000"/>
+                    <a:lumOff val="25000"/>
+                  </a:schemeClr>
+                </a:solidFill>
+              </a:rPr>
+              <a:t>уровня после </a:t>
+            </a:r>
+            <a:r>
+              <a:rPr lang="ru-RU" sz="2400" dirty="0">
+                <a:solidFill>
+                  <a:schemeClr val="tx1">
+                    <a:lumMod val="75000"/>
+                    <a:lumOff val="25000"/>
+                  </a:schemeClr>
+                </a:solidFill>
+              </a:rPr>
+              <a:t>выбора игроком уровня, цикл прекращается после прохождения уровня.</a:t>
             </a:r>
           </a:p>
           <a:p>
@@ -4047,7 +4091,7 @@
           <p:cNvPr id="7" name="Рисунок 6">
             <a:extLst>
               <a:ext uri="{FF2B5EF4-FFF2-40B4-BE49-F238E27FC236}">
-                <a16:creationId xmlns:a16="http://schemas.microsoft.com/office/drawing/2014/main" id="{535B33F4-9A16-4FDD-8035-22AE56600AFA}"/>
+                <a16:creationId xmlns:a16="http://schemas.microsoft.com/office/drawing/2014/main" xmlns="" id="{535B33F4-9A16-4FDD-8035-22AE56600AFA}"/>
               </a:ext>
             </a:extLst>
           </p:cNvPr>
@@ -4107,7 +4151,7 @@
           <p:cNvPr id="2" name="Заголовок 1">
             <a:extLst>
               <a:ext uri="{FF2B5EF4-FFF2-40B4-BE49-F238E27FC236}">
-                <a16:creationId xmlns:a16="http://schemas.microsoft.com/office/drawing/2014/main" id="{1CA37DBC-AA65-4E3F-81AC-05F73B4F7361}"/>
+                <a16:creationId xmlns:a16="http://schemas.microsoft.com/office/drawing/2014/main" xmlns="" id="{1CA37DBC-AA65-4E3F-81AC-05F73B4F7361}"/>
               </a:ext>
             </a:extLst>
           </p:cNvPr>
@@ -4142,7 +4186,7 @@
           <p:cNvPr id="3" name="Объект 2">
             <a:extLst>
               <a:ext uri="{FF2B5EF4-FFF2-40B4-BE49-F238E27FC236}">
-                <a16:creationId xmlns:a16="http://schemas.microsoft.com/office/drawing/2014/main" id="{4E5168C3-86D6-45CA-B347-0542537CCD0B}"/>
+                <a16:creationId xmlns:a16="http://schemas.microsoft.com/office/drawing/2014/main" xmlns="" id="{4E5168C3-86D6-45CA-B347-0542537CCD0B}"/>
               </a:ext>
             </a:extLst>
           </p:cNvPr>
@@ -4258,7 +4302,7 @@
           <p:cNvPr id="5" name="Рисунок 4">
             <a:extLst>
               <a:ext uri="{FF2B5EF4-FFF2-40B4-BE49-F238E27FC236}">
-                <a16:creationId xmlns:a16="http://schemas.microsoft.com/office/drawing/2014/main" id="{832CC94E-1F3B-4D15-AAFE-39AD27449745}"/>
+                <a16:creationId xmlns:a16="http://schemas.microsoft.com/office/drawing/2014/main" xmlns="" id="{832CC94E-1F3B-4D15-AAFE-39AD27449745}"/>
               </a:ext>
             </a:extLst>
           </p:cNvPr>
@@ -4288,7 +4332,7 @@
           <p:cNvPr id="7" name="Рисунок 6">
             <a:extLst>
               <a:ext uri="{FF2B5EF4-FFF2-40B4-BE49-F238E27FC236}">
-                <a16:creationId xmlns:a16="http://schemas.microsoft.com/office/drawing/2014/main" id="{C533FD32-F13A-417F-B4F7-70B6BEEF36CE}"/>
+                <a16:creationId xmlns:a16="http://schemas.microsoft.com/office/drawing/2014/main" xmlns="" id="{C533FD32-F13A-417F-B4F7-70B6BEEF36CE}"/>
               </a:ext>
             </a:extLst>
           </p:cNvPr>
@@ -4348,7 +4392,7 @@
           <p:cNvPr id="2" name="Заголовок 1">
             <a:extLst>
               <a:ext uri="{FF2B5EF4-FFF2-40B4-BE49-F238E27FC236}">
-                <a16:creationId xmlns:a16="http://schemas.microsoft.com/office/drawing/2014/main" id="{65226DE9-03A7-4B17-B0F4-C52A05FCBB90}"/>
+                <a16:creationId xmlns:a16="http://schemas.microsoft.com/office/drawing/2014/main" xmlns="" id="{65226DE9-03A7-4B17-B0F4-C52A05FCBB90}"/>
               </a:ext>
             </a:extLst>
           </p:cNvPr>
@@ -4384,7 +4428,7 @@
           <p:cNvPr id="3" name="Объект 2">
             <a:extLst>
               <a:ext uri="{FF2B5EF4-FFF2-40B4-BE49-F238E27FC236}">
-                <a16:creationId xmlns:a16="http://schemas.microsoft.com/office/drawing/2014/main" id="{9725F46F-3A56-4CED-85B6-B41028EFF590}"/>
+                <a16:creationId xmlns:a16="http://schemas.microsoft.com/office/drawing/2014/main" xmlns="" id="{9725F46F-3A56-4CED-85B6-B41028EFF590}"/>
               </a:ext>
             </a:extLst>
           </p:cNvPr>
@@ -4611,7 +4655,7 @@
           <p:cNvPr id="5" name="Рисунок 4">
             <a:extLst>
               <a:ext uri="{FF2B5EF4-FFF2-40B4-BE49-F238E27FC236}">
-                <a16:creationId xmlns:a16="http://schemas.microsoft.com/office/drawing/2014/main" id="{07A395CE-1DE3-49EC-BDDE-1E4D4A79E315}"/>
+                <a16:creationId xmlns:a16="http://schemas.microsoft.com/office/drawing/2014/main" xmlns="" id="{07A395CE-1DE3-49EC-BDDE-1E4D4A79E315}"/>
               </a:ext>
             </a:extLst>
           </p:cNvPr>
@@ -4671,7 +4715,7 @@
           <p:cNvPr id="2" name="Заголовок 1">
             <a:extLst>
               <a:ext uri="{FF2B5EF4-FFF2-40B4-BE49-F238E27FC236}">
-                <a16:creationId xmlns:a16="http://schemas.microsoft.com/office/drawing/2014/main" id="{A6925A5B-D5D9-4DFB-852C-EBD020ABABC5}"/>
+                <a16:creationId xmlns:a16="http://schemas.microsoft.com/office/drawing/2014/main" xmlns="" id="{A6925A5B-D5D9-4DFB-852C-EBD020ABABC5}"/>
               </a:ext>
             </a:extLst>
           </p:cNvPr>
@@ -4707,7 +4751,7 @@
           <p:cNvPr id="3" name="Объект 2">
             <a:extLst>
               <a:ext uri="{FF2B5EF4-FFF2-40B4-BE49-F238E27FC236}">
-                <a16:creationId xmlns:a16="http://schemas.microsoft.com/office/drawing/2014/main" id="{FDE216FE-FE44-446D-8168-9C877B32B7F5}"/>
+                <a16:creationId xmlns:a16="http://schemas.microsoft.com/office/drawing/2014/main" xmlns="" id="{FDE216FE-FE44-446D-8168-9C877B32B7F5}"/>
               </a:ext>
             </a:extLst>
           </p:cNvPr>
@@ -4857,7 +4901,7 @@
           <p:cNvPr id="5" name="Рисунок 4">
             <a:extLst>
               <a:ext uri="{FF2B5EF4-FFF2-40B4-BE49-F238E27FC236}">
-                <a16:creationId xmlns:a16="http://schemas.microsoft.com/office/drawing/2014/main" id="{7BA7382E-41B8-4391-AB4D-5D80161417C0}"/>
+                <a16:creationId xmlns:a16="http://schemas.microsoft.com/office/drawing/2014/main" xmlns="" id="{7BA7382E-41B8-4391-AB4D-5D80161417C0}"/>
               </a:ext>
             </a:extLst>
           </p:cNvPr>
@@ -4887,7 +4931,7 @@
           <p:cNvPr id="6" name="Рисунок 5">
             <a:extLst>
               <a:ext uri="{FF2B5EF4-FFF2-40B4-BE49-F238E27FC236}">
-                <a16:creationId xmlns:a16="http://schemas.microsoft.com/office/drawing/2014/main" id="{BC7B05F9-FB51-4E3E-B377-54FB785896E6}"/>
+                <a16:creationId xmlns:a16="http://schemas.microsoft.com/office/drawing/2014/main" xmlns="" id="{BC7B05F9-FB51-4E3E-B377-54FB785896E6}"/>
               </a:ext>
             </a:extLst>
           </p:cNvPr>
@@ -4917,7 +4961,7 @@
           <p:cNvPr id="8" name="Рисунок 7">
             <a:extLst>
               <a:ext uri="{FF2B5EF4-FFF2-40B4-BE49-F238E27FC236}">
-                <a16:creationId xmlns:a16="http://schemas.microsoft.com/office/drawing/2014/main" id="{EBAF16C1-D336-4D04-BB30-88FA65D33B38}"/>
+                <a16:creationId xmlns:a16="http://schemas.microsoft.com/office/drawing/2014/main" xmlns="" id="{EBAF16C1-D336-4D04-BB30-88FA65D33B38}"/>
               </a:ext>
             </a:extLst>
           </p:cNvPr>
@@ -4977,7 +5021,7 @@
           <p:cNvPr id="2" name="Заголовок 1">
             <a:extLst>
               <a:ext uri="{FF2B5EF4-FFF2-40B4-BE49-F238E27FC236}">
-                <a16:creationId xmlns:a16="http://schemas.microsoft.com/office/drawing/2014/main" id="{7067D9ED-745B-42A8-9442-1C93556625EE}"/>
+                <a16:creationId xmlns:a16="http://schemas.microsoft.com/office/drawing/2014/main" xmlns="" id="{7067D9ED-745B-42A8-9442-1C93556625EE}"/>
               </a:ext>
             </a:extLst>
           </p:cNvPr>
@@ -5012,7 +5056,7 @@
           <p:cNvPr id="3" name="Объект 2">
             <a:extLst>
               <a:ext uri="{FF2B5EF4-FFF2-40B4-BE49-F238E27FC236}">
-                <a16:creationId xmlns:a16="http://schemas.microsoft.com/office/drawing/2014/main" id="{752F4C63-37FC-4107-96B3-F16FF8C71484}"/>
+                <a16:creationId xmlns:a16="http://schemas.microsoft.com/office/drawing/2014/main" xmlns="" id="{752F4C63-37FC-4107-96B3-F16FF8C71484}"/>
               </a:ext>
             </a:extLst>
           </p:cNvPr>
